--- a/resource/C++大作业/C++大作业-坦克大战.pptx
+++ b/resource/C++大作业/C++大作业-坦克大战.pptx
@@ -117,6 +117,11 @@
       </a:defRPr>
     </a:lvl9pPr>
   </p:defaultTextStyle>
+  <p:extLst>
+    <p:ext uri="{EFAFB233-063F-42B5-8137-9DF3F51BA10A}">
+      <p15:sldGuideLst xmlns:p15="http://schemas.microsoft.com/office/powerpoint/2012/main"/>
+    </p:ext>
+  </p:extLst>
 </p:presentation>
 </file>
 
@@ -4402,7 +4407,7 @@
           <a:p>
             <a:fld id="{48A87A34-81AB-432B-8DAE-1953F412C126}" type="datetimeFigureOut">
               <a:rPr lang="en-US" dirty="0"/>
-              <a:t>4/9/2019</a:t>
+              <a:t>4/11/2019</a:t>
             </a:fld>
             <a:endParaRPr lang="en-US" dirty="0"/>
           </a:p>
@@ -4664,7 +4669,7 @@
           <a:p>
             <a:fld id="{48A87A34-81AB-432B-8DAE-1953F412C126}" type="datetimeFigureOut">
               <a:rPr lang="en-US" dirty="0"/>
-              <a:t>4/9/2019</a:t>
+              <a:t>4/11/2019</a:t>
             </a:fld>
             <a:endParaRPr lang="en-US" dirty="0"/>
           </a:p>
@@ -4855,7 +4860,7 @@
           <a:p>
             <a:fld id="{48A87A34-81AB-432B-8DAE-1953F412C126}" type="datetimeFigureOut">
               <a:rPr lang="en-US" dirty="0"/>
-              <a:t>4/9/2019</a:t>
+              <a:t>4/11/2019</a:t>
             </a:fld>
             <a:endParaRPr lang="en-US" dirty="0"/>
           </a:p>
@@ -5113,7 +5118,7 @@
           <a:p>
             <a:fld id="{48A87A34-81AB-432B-8DAE-1953F412C126}" type="datetimeFigureOut">
               <a:rPr lang="en-US" dirty="0"/>
-              <a:t>4/9/2019</a:t>
+              <a:t>4/11/2019</a:t>
             </a:fld>
             <a:endParaRPr lang="en-US" dirty="0"/>
           </a:p>
@@ -5542,7 +5547,7 @@
           <a:p>
             <a:fld id="{48A87A34-81AB-432B-8DAE-1953F412C126}" type="datetimeFigureOut">
               <a:rPr lang="en-US" dirty="0"/>
-              <a:t>4/9/2019</a:t>
+              <a:t>4/11/2019</a:t>
             </a:fld>
             <a:endParaRPr lang="en-US" dirty="0"/>
           </a:p>
@@ -6083,7 +6088,7 @@
           <a:p>
             <a:fld id="{48A87A34-81AB-432B-8DAE-1953F412C126}" type="datetimeFigureOut">
               <a:rPr lang="en-US" dirty="0"/>
-              <a:t>4/9/2019</a:t>
+              <a:t>4/11/2019</a:t>
             </a:fld>
             <a:endParaRPr lang="en-US" dirty="0"/>
           </a:p>
@@ -6798,7 +6803,7 @@
           <a:p>
             <a:fld id="{48A87A34-81AB-432B-8DAE-1953F412C126}" type="datetimeFigureOut">
               <a:rPr lang="en-US" dirty="0"/>
-              <a:t>4/9/2019</a:t>
+              <a:t>4/11/2019</a:t>
             </a:fld>
             <a:endParaRPr lang="en-US" dirty="0"/>
           </a:p>
@@ -6963,7 +6968,7 @@
           <a:p>
             <a:fld id="{48A87A34-81AB-432B-8DAE-1953F412C126}" type="datetimeFigureOut">
               <a:rPr lang="en-US" dirty="0"/>
-              <a:t>4/9/2019</a:t>
+              <a:t>4/11/2019</a:t>
             </a:fld>
             <a:endParaRPr lang="en-US" dirty="0"/>
           </a:p>
@@ -7138,7 +7143,7 @@
           <a:p>
             <a:fld id="{48A87A34-81AB-432B-8DAE-1953F412C126}" type="datetimeFigureOut">
               <a:rPr lang="en-US" dirty="0"/>
-              <a:t>4/9/2019</a:t>
+              <a:t>4/11/2019</a:t>
             </a:fld>
             <a:endParaRPr lang="en-US" dirty="0"/>
           </a:p>
@@ -7303,7 +7308,7 @@
           <a:p>
             <a:fld id="{48A87A34-81AB-432B-8DAE-1953F412C126}" type="datetimeFigureOut">
               <a:rPr lang="en-US" dirty="0"/>
-              <a:t>4/9/2019</a:t>
+              <a:t>4/11/2019</a:t>
             </a:fld>
             <a:endParaRPr lang="en-US" dirty="0"/>
           </a:p>
@@ -7548,7 +7553,7 @@
           <a:p>
             <a:fld id="{48A87A34-81AB-432B-8DAE-1953F412C126}" type="datetimeFigureOut">
               <a:rPr lang="en-US" dirty="0"/>
-              <a:t>4/9/2019</a:t>
+              <a:t>4/11/2019</a:t>
             </a:fld>
             <a:endParaRPr lang="en-US" dirty="0"/>
           </a:p>
@@ -7775,7 +7780,7 @@
           <a:p>
             <a:fld id="{48A87A34-81AB-432B-8DAE-1953F412C126}" type="datetimeFigureOut">
               <a:rPr lang="en-US" dirty="0"/>
-              <a:t>4/9/2019</a:t>
+              <a:t>4/11/2019</a:t>
             </a:fld>
             <a:endParaRPr lang="en-US" dirty="0"/>
           </a:p>
@@ -8151,7 +8156,7 @@
           <a:p>
             <a:fld id="{48A87A34-81AB-432B-8DAE-1953F412C126}" type="datetimeFigureOut">
               <a:rPr lang="en-US" dirty="0"/>
-              <a:t>4/9/2019</a:t>
+              <a:t>4/11/2019</a:t>
             </a:fld>
             <a:endParaRPr lang="en-US" dirty="0"/>
           </a:p>
@@ -8264,7 +8269,7 @@
           <a:p>
             <a:fld id="{48A87A34-81AB-432B-8DAE-1953F412C126}" type="datetimeFigureOut">
               <a:rPr lang="en-US" dirty="0"/>
-              <a:t>4/9/2019</a:t>
+              <a:t>4/11/2019</a:t>
             </a:fld>
             <a:endParaRPr lang="en-US" dirty="0"/>
           </a:p>
@@ -8354,7 +8359,7 @@
           <a:p>
             <a:fld id="{48A87A34-81AB-432B-8DAE-1953F412C126}" type="datetimeFigureOut">
               <a:rPr lang="en-US" dirty="0"/>
-              <a:t>4/9/2019</a:t>
+              <a:t>4/11/2019</a:t>
             </a:fld>
             <a:endParaRPr lang="en-US" dirty="0"/>
           </a:p>
@@ -8598,7 +8603,7 @@
           <a:p>
             <a:fld id="{48A87A34-81AB-432B-8DAE-1953F412C126}" type="datetimeFigureOut">
               <a:rPr lang="en-US" dirty="0"/>
-              <a:t>4/9/2019</a:t>
+              <a:t>4/11/2019</a:t>
             </a:fld>
             <a:endParaRPr lang="en-US" dirty="0"/>
           </a:p>
@@ -8873,7 +8878,7 @@
           <a:p>
             <a:fld id="{48A87A34-81AB-432B-8DAE-1953F412C126}" type="datetimeFigureOut">
               <a:rPr lang="en-US" dirty="0"/>
-              <a:t>4/9/2019</a:t>
+              <a:t>4/11/2019</a:t>
             </a:fld>
             <a:endParaRPr lang="en-US" dirty="0"/>
           </a:p>
@@ -11936,7 +11941,7 @@
             <a:fld id="{48A87A34-81AB-432B-8DAE-1953F412C126}" type="datetimeFigureOut">
               <a:rPr lang="en-US" dirty="0"/>
               <a:pPr/>
-              <a:t>4/9/2019</a:t>
+              <a:t>4/11/2019</a:t>
             </a:fld>
             <a:endParaRPr lang="en-US" dirty="0"/>
           </a:p>
@@ -12869,7 +12874,29 @@
                   </a:schemeClr>
                 </a:solidFill>
               </a:rPr>
-              <a:t>用二维数组保存地图数据，每次物体移动判定是否有事件触发，触发事件后更新数组，重新输出到屏幕上。</a:t>
+              <a:t>用二维数组保存地图数据，每次物体移动判定是否有事件触发，触发事件后更新数组，</a:t>
+            </a:r>
+            <a:r>
+              <a:rPr lang="zh-CN" altLang="en-US" sz="4000" dirty="0">
+                <a:solidFill>
+                  <a:schemeClr val="accent1">
+                    <a:lumMod val="60000"/>
+                    <a:lumOff val="40000"/>
+                  </a:schemeClr>
+                </a:solidFill>
+              </a:rPr>
+              <a:t>再</a:t>
+            </a:r>
+            <a:r>
+              <a:rPr lang="zh-CN" altLang="zh-CN" sz="4000" dirty="0">
+                <a:solidFill>
+                  <a:schemeClr val="accent1">
+                    <a:lumMod val="60000"/>
+                    <a:lumOff val="40000"/>
+                  </a:schemeClr>
+                </a:solidFill>
+              </a:rPr>
+              <a:t>重新输出到屏幕上。</a:t>
             </a:r>
           </a:p>
           <a:p>
@@ -12976,32 +13003,66 @@
       </p:sp>
       <p:pic>
         <p:nvPicPr>
-          <p:cNvPr id="4" name="图片 3">
+          <p:cNvPr id="5" name="图片 4">
             <a:extLst>
               <a:ext uri="{FF2B5EF4-FFF2-40B4-BE49-F238E27FC236}">
-                <a16:creationId xmlns:a16="http://schemas.microsoft.com/office/drawing/2014/main" id="{A7727374-8778-4A78-8EF1-B62EF8694D44}"/>
+                <a16:creationId xmlns:a16="http://schemas.microsoft.com/office/drawing/2014/main" id="{9277A8B4-68E3-4DBC-AF5D-C8A2F1AC2A8B}"/>
               </a:ext>
             </a:extLst>
           </p:cNvPr>
-          <p:cNvPicPr>
-            <a:picLocks noChangeAspect="1"/>
-          </p:cNvPicPr>
+          <p:cNvPicPr/>
           <p:nvPr/>
         </p:nvPicPr>
         <p:blipFill>
-          <a:blip r:embed="rId2"/>
+          <a:blip r:embed="rId2">
+            <a:extLst>
+              <a:ext uri="{28A0092B-C50C-407E-A947-70E740481C1C}">
+                <a14:useLocalDpi xmlns:a14="http://schemas.microsoft.com/office/drawing/2010/main" val="0"/>
+              </a:ext>
+            </a:extLst>
+          </a:blip>
           <a:stretch>
             <a:fillRect/>
           </a:stretch>
         </p:blipFill>
         <p:spPr>
           <a:xfrm>
-            <a:off x="2891675" y="1441909"/>
-            <a:ext cx="6408649" cy="5334366"/>
+            <a:off x="4540299" y="241789"/>
+            <a:ext cx="5773078" cy="6554665"/>
           </a:xfrm>
           <a:prstGeom prst="rect">
             <a:avLst/>
           </a:prstGeom>
+          <a:solidFill>
+            <a:srgbClr val="FFFFFF">
+              <a:shade val="85000"/>
+            </a:srgbClr>
+          </a:solidFill>
+          <a:ln w="88900" cap="sq">
+            <a:solidFill>
+              <a:srgbClr val="FFFFFF"/>
+            </a:solidFill>
+            <a:miter lim="800000"/>
+          </a:ln>
+          <a:effectLst>
+            <a:outerShdw blurRad="55000" dist="18000" dir="5400000" algn="tl" rotWithShape="0">
+              <a:srgbClr val="000000">
+                <a:alpha val="40000"/>
+              </a:srgbClr>
+            </a:outerShdw>
+          </a:effectLst>
+          <a:scene3d>
+            <a:camera prst="orthographicFront"/>
+            <a:lightRig rig="twoPt" dir="t">
+              <a:rot lat="0" lon="0" rev="7200000"/>
+            </a:lightRig>
+          </a:scene3d>
+          <a:sp3d>
+            <a:bevelT w="25400" h="19050"/>
+            <a:contourClr>
+              <a:srgbClr val="FFFFFF"/>
+            </a:contourClr>
+          </a:sp3d>
         </p:spPr>
       </p:pic>
     </p:spTree>
@@ -13014,135 +13075,6 @@
   <p:clrMapOvr>
     <a:masterClrMapping/>
   </p:clrMapOvr>
-  <p:timing>
-    <p:tnLst>
-      <p:par>
-        <p:cTn id="1" dur="indefinite" restart="never" nodeType="tmRoot">
-          <p:childTnLst>
-            <p:seq concurrent="1" nextAc="seek">
-              <p:cTn id="2" dur="indefinite" nodeType="mainSeq">
-                <p:childTnLst>
-                  <p:par>
-                    <p:cTn id="3" fill="hold">
-                      <p:stCondLst>
-                        <p:cond delay="indefinite"/>
-                      </p:stCondLst>
-                      <p:childTnLst>
-                        <p:par>
-                          <p:cTn id="4" fill="hold">
-                            <p:stCondLst>
-                              <p:cond delay="0"/>
-                            </p:stCondLst>
-                            <p:childTnLst>
-                              <p:par>
-                                <p:cTn id="5" presetID="42" presetClass="entr" presetSubtype="0" fill="hold" nodeType="clickEffect">
-                                  <p:stCondLst>
-                                    <p:cond delay="0"/>
-                                  </p:stCondLst>
-                                  <p:childTnLst>
-                                    <p:set>
-                                      <p:cBhvr>
-                                        <p:cTn id="6" dur="1" fill="hold">
-                                          <p:stCondLst>
-                                            <p:cond delay="0"/>
-                                          </p:stCondLst>
-                                        </p:cTn>
-                                        <p:tgtEl>
-                                          <p:spTgt spid="4"/>
-                                        </p:tgtEl>
-                                        <p:attrNameLst>
-                                          <p:attrName>style.visibility</p:attrName>
-                                        </p:attrNameLst>
-                                      </p:cBhvr>
-                                      <p:to>
-                                        <p:strVal val="visible"/>
-                                      </p:to>
-                                    </p:set>
-                                    <p:animEffect transition="in" filter="fade">
-                                      <p:cBhvr>
-                                        <p:cTn id="7" dur="1000"/>
-                                        <p:tgtEl>
-                                          <p:spTgt spid="4"/>
-                                        </p:tgtEl>
-                                      </p:cBhvr>
-                                    </p:animEffect>
-                                    <p:anim calcmode="lin" valueType="num">
-                                      <p:cBhvr>
-                                        <p:cTn id="8" dur="1000" fill="hold"/>
-                                        <p:tgtEl>
-                                          <p:spTgt spid="4"/>
-                                        </p:tgtEl>
-                                        <p:attrNameLst>
-                                          <p:attrName>ppt_x</p:attrName>
-                                        </p:attrNameLst>
-                                      </p:cBhvr>
-                                      <p:tavLst>
-                                        <p:tav tm="0">
-                                          <p:val>
-                                            <p:strVal val="#ppt_x"/>
-                                          </p:val>
-                                        </p:tav>
-                                        <p:tav tm="100000">
-                                          <p:val>
-                                            <p:strVal val="#ppt_x"/>
-                                          </p:val>
-                                        </p:tav>
-                                      </p:tavLst>
-                                    </p:anim>
-                                    <p:anim calcmode="lin" valueType="num">
-                                      <p:cBhvr>
-                                        <p:cTn id="9" dur="1000" fill="hold"/>
-                                        <p:tgtEl>
-                                          <p:spTgt spid="4"/>
-                                        </p:tgtEl>
-                                        <p:attrNameLst>
-                                          <p:attrName>ppt_y</p:attrName>
-                                        </p:attrNameLst>
-                                      </p:cBhvr>
-                                      <p:tavLst>
-                                        <p:tav tm="0">
-                                          <p:val>
-                                            <p:strVal val="#ppt_y+.1"/>
-                                          </p:val>
-                                        </p:tav>
-                                        <p:tav tm="100000">
-                                          <p:val>
-                                            <p:strVal val="#ppt_y"/>
-                                          </p:val>
-                                        </p:tav>
-                                      </p:tavLst>
-                                    </p:anim>
-                                  </p:childTnLst>
-                                </p:cTn>
-                              </p:par>
-                            </p:childTnLst>
-                          </p:cTn>
-                        </p:par>
-                      </p:childTnLst>
-                    </p:cTn>
-                  </p:par>
-                </p:childTnLst>
-              </p:cTn>
-              <p:prevCondLst>
-                <p:cond evt="onPrev" delay="0">
-                  <p:tgtEl>
-                    <p:sldTgt/>
-                  </p:tgtEl>
-                </p:cond>
-              </p:prevCondLst>
-              <p:nextCondLst>
-                <p:cond evt="onNext" delay="0">
-                  <p:tgtEl>
-                    <p:sldTgt/>
-                  </p:tgtEl>
-                </p:cond>
-              </p:nextCondLst>
-            </p:seq>
-          </p:childTnLst>
-        </p:cTn>
-      </p:par>
-    </p:tnLst>
-  </p:timing>
 </p:sld>
 </file>
 
@@ -13264,7 +13196,7 @@
           <a:bodyPr/>
           <a:lstStyle/>
           <a:p>
-            <a:endParaRPr lang="zh-CN" altLang="en-US"/>
+            <a:endParaRPr lang="zh-CN" altLang="en-US" dirty="0"/>
           </a:p>
         </p:txBody>
       </p:sp>
@@ -13286,16 +13218,18 @@
         </p:nvSpPr>
         <p:spPr>
           <a:xfrm>
-            <a:off x="1141412" y="1658143"/>
-            <a:ext cx="9905999" cy="3541714"/>
+            <a:off x="1141412" y="1658142"/>
+            <a:ext cx="10103950" cy="4127195"/>
           </a:xfrm>
         </p:spPr>
         <p:txBody>
-          <a:bodyPr/>
+          <a:bodyPr>
+            <a:normAutofit fontScale="92500"/>
+          </a:bodyPr>
           <a:lstStyle/>
           <a:p>
             <a:r>
-              <a:rPr lang="en-US" altLang="zh-CN" sz="4000" dirty="0">
+              <a:rPr lang="en-US" altLang="zh-CN" sz="4400" dirty="0">
                 <a:solidFill>
                   <a:schemeClr val="accent1">
                     <a:lumMod val="60000"/>
@@ -13306,7 +13240,7 @@
               <a:t>3-7</a:t>
             </a:r>
             <a:r>
-              <a:rPr lang="zh-CN" altLang="zh-CN" sz="4000" dirty="0">
+              <a:rPr lang="zh-CN" altLang="zh-CN" sz="4400" dirty="0">
                 <a:solidFill>
                   <a:schemeClr val="accent1">
                     <a:lumMod val="60000"/>
@@ -13319,7 +13253,7 @@
           </a:p>
           <a:p>
             <a:r>
-              <a:rPr lang="en-US" altLang="zh-CN" sz="4000" dirty="0">
+              <a:rPr lang="en-US" altLang="zh-CN" sz="4400" dirty="0">
                 <a:solidFill>
                   <a:schemeClr val="accent1">
                     <a:lumMod val="60000"/>
@@ -13330,7 +13264,7 @@
               <a:t>8-10</a:t>
             </a:r>
             <a:r>
-              <a:rPr lang="zh-CN" altLang="zh-CN" sz="4000" dirty="0">
+              <a:rPr lang="zh-CN" altLang="zh-CN" sz="4400" dirty="0">
                 <a:solidFill>
                   <a:schemeClr val="accent1">
                     <a:lumMod val="60000"/>
@@ -13338,12 +13272,34 @@
                   </a:schemeClr>
                 </a:solidFill>
               </a:rPr>
-              <a:t>周：完成控制台类，坦克类，子弹类</a:t>
+              <a:t>周：完成控制台类，坦克类，</a:t>
             </a:r>
-          </a:p>
-          <a:p>
             <a:r>
-              <a:rPr lang="en-US" altLang="zh-CN" sz="4000" dirty="0">
+              <a:rPr lang="zh-CN" altLang="en-US" sz="4400" dirty="0">
+                <a:solidFill>
+                  <a:schemeClr val="accent1">
+                    <a:lumMod val="60000"/>
+                    <a:lumOff val="40000"/>
+                  </a:schemeClr>
+                </a:solidFill>
+              </a:rPr>
+              <a:t>地图</a:t>
+            </a:r>
+            <a:r>
+              <a:rPr lang="zh-CN" altLang="zh-CN" sz="4400" dirty="0">
+                <a:solidFill>
+                  <a:schemeClr val="accent1">
+                    <a:lumMod val="60000"/>
+                    <a:lumOff val="40000"/>
+                  </a:schemeClr>
+                </a:solidFill>
+              </a:rPr>
+              <a:t>类</a:t>
+            </a:r>
+          </a:p>
+          <a:p>
+            <a:r>
+              <a:rPr lang="en-US" altLang="zh-CN" sz="4400" dirty="0">
                 <a:solidFill>
                   <a:schemeClr val="accent1">
                     <a:lumMod val="60000"/>
@@ -13354,7 +13310,7 @@
               <a:t>10-12</a:t>
             </a:r>
             <a:r>
-              <a:rPr lang="zh-CN" altLang="zh-CN" sz="4000" dirty="0">
+              <a:rPr lang="zh-CN" altLang="zh-CN" sz="4400" dirty="0">
                 <a:solidFill>
                   <a:schemeClr val="accent1">
                     <a:lumMod val="60000"/>
@@ -13362,12 +13318,31 @@
                   </a:schemeClr>
                 </a:solidFill>
               </a:rPr>
-              <a:t>周：完成道具类，障碍物类</a:t>
+              <a:t>周：完成道具类，子弹类</a:t>
             </a:r>
-          </a:p>
-          <a:p>
             <a:r>
-              <a:rPr lang="en-US" altLang="zh-CN" sz="4000" dirty="0">
+              <a:rPr lang="zh-CN" altLang="en-US" sz="4400" dirty="0">
+                <a:solidFill>
+                  <a:schemeClr val="accent1">
+                    <a:lumMod val="60000"/>
+                    <a:lumOff val="40000"/>
+                  </a:schemeClr>
+                </a:solidFill>
+              </a:rPr>
+              <a:t>，控制类</a:t>
+            </a:r>
+            <a:endParaRPr lang="zh-CN" altLang="zh-CN" sz="4400" dirty="0">
+              <a:solidFill>
+                <a:schemeClr val="accent1">
+                  <a:lumMod val="60000"/>
+                  <a:lumOff val="40000"/>
+                </a:schemeClr>
+              </a:solidFill>
+            </a:endParaRPr>
+          </a:p>
+          <a:p>
+            <a:r>
+              <a:rPr lang="en-US" altLang="zh-CN" sz="4400" dirty="0">
                 <a:solidFill>
                   <a:schemeClr val="accent1">
                     <a:lumMod val="60000"/>
@@ -13378,7 +13353,7 @@
               <a:t>13-14</a:t>
             </a:r>
             <a:r>
-              <a:rPr lang="zh-CN" altLang="zh-CN" sz="4000" dirty="0">
+              <a:rPr lang="zh-CN" altLang="zh-CN" sz="4400" dirty="0">
                 <a:solidFill>
                   <a:schemeClr val="accent1">
                     <a:lumMod val="60000"/>
@@ -15694,6 +15669,17 @@
           <a:p>
             <a:pPr lvl="0"/>
             <a:r>
+              <a:rPr lang="zh-CN" altLang="en-US" sz="4800" dirty="0">
+                <a:solidFill>
+                  <a:schemeClr val="accent1">
+                    <a:lumMod val="60000"/>
+                    <a:lumOff val="40000"/>
+                  </a:schemeClr>
+                </a:solidFill>
+              </a:rPr>
+              <a:t>地图</a:t>
+            </a:r>
+            <a:r>
               <a:rPr lang="zh-CN" altLang="zh-CN" sz="4800" dirty="0">
                 <a:solidFill>
                   <a:schemeClr val="accent1">
@@ -15702,7 +15688,7 @@
                   </a:schemeClr>
                 </a:solidFill>
               </a:rPr>
-              <a:t>障碍物类</a:t>
+              <a:t>类</a:t>
             </a:r>
           </a:p>
           <a:p>
@@ -16482,10 +16468,22 @@
                 </a:solidFill>
                 <a:latin typeface="+mn-ea"/>
               </a:rPr>
-              <a:t>负责控制台类，道具类</a:t>
+              <a:t>负责控制台类，控制类，道具类</a:t>
             </a:r>
-          </a:p>
-          <a:p>
+            <a:endParaRPr lang="en-US" altLang="zh-CN" sz="4800" dirty="0">
+              <a:solidFill>
+                <a:schemeClr val="accent1">
+                  <a:lumMod val="60000"/>
+                  <a:lumOff val="40000"/>
+                </a:schemeClr>
+              </a:solidFill>
+              <a:latin typeface="+mn-ea"/>
+            </a:endParaRPr>
+          </a:p>
+          <a:p>
+            <a:pPr marL="0" indent="0">
+              <a:buNone/>
+            </a:pPr>
             <a:r>
               <a:rPr lang="zh-CN" altLang="en-US" sz="4800" dirty="0">
                 <a:solidFill>
@@ -16522,10 +16520,8 @@
                 </a:solidFill>
                 <a:latin typeface="+mn-ea"/>
               </a:rPr>
-              <a:t>负责坦克类，子弹类，障碍物类</a:t>
+              <a:t>负责坦克类， 地图类，子弹类</a:t>
             </a:r>
-          </a:p>
-          <a:p>
             <a:endParaRPr lang="zh-CN" altLang="en-US" dirty="0"/>
           </a:p>
         </p:txBody>
@@ -16540,266 +16536,6 @@
   <p:clrMapOvr>
     <a:masterClrMapping/>
   </p:clrMapOvr>
-  <p:timing>
-    <p:tnLst>
-      <p:par>
-        <p:cTn id="1" dur="indefinite" restart="never" nodeType="tmRoot">
-          <p:childTnLst>
-            <p:seq concurrent="1" nextAc="seek">
-              <p:cTn id="2" dur="indefinite" nodeType="mainSeq">
-                <p:childTnLst>
-                  <p:par>
-                    <p:cTn id="3" fill="hold">
-                      <p:stCondLst>
-                        <p:cond delay="indefinite"/>
-                      </p:stCondLst>
-                      <p:childTnLst>
-                        <p:par>
-                          <p:cTn id="4" fill="hold">
-                            <p:stCondLst>
-                              <p:cond delay="0"/>
-                            </p:stCondLst>
-                            <p:childTnLst>
-                              <p:par>
-                                <p:cTn id="5" presetID="42" presetClass="entr" presetSubtype="0" fill="hold" nodeType="clickEffect">
-                                  <p:stCondLst>
-                                    <p:cond delay="0"/>
-                                  </p:stCondLst>
-                                  <p:childTnLst>
-                                    <p:set>
-                                      <p:cBhvr>
-                                        <p:cTn id="6" dur="1" fill="hold">
-                                          <p:stCondLst>
-                                            <p:cond delay="0"/>
-                                          </p:stCondLst>
-                                        </p:cTn>
-                                        <p:tgtEl>
-                                          <p:spTgt spid="3">
-                                            <p:txEl>
-                                              <p:pRg st="1" end="1"/>
-                                            </p:txEl>
-                                          </p:spTgt>
-                                        </p:tgtEl>
-                                        <p:attrNameLst>
-                                          <p:attrName>style.visibility</p:attrName>
-                                        </p:attrNameLst>
-                                      </p:cBhvr>
-                                      <p:to>
-                                        <p:strVal val="visible"/>
-                                      </p:to>
-                                    </p:set>
-                                    <p:animEffect transition="in" filter="fade">
-                                      <p:cBhvr>
-                                        <p:cTn id="7" dur="1000"/>
-                                        <p:tgtEl>
-                                          <p:spTgt spid="3">
-                                            <p:txEl>
-                                              <p:pRg st="1" end="1"/>
-                                            </p:txEl>
-                                          </p:spTgt>
-                                        </p:tgtEl>
-                                      </p:cBhvr>
-                                    </p:animEffect>
-                                    <p:anim calcmode="lin" valueType="num">
-                                      <p:cBhvr>
-                                        <p:cTn id="8" dur="1000" fill="hold"/>
-                                        <p:tgtEl>
-                                          <p:spTgt spid="3">
-                                            <p:txEl>
-                                              <p:pRg st="1" end="1"/>
-                                            </p:txEl>
-                                          </p:spTgt>
-                                        </p:tgtEl>
-                                        <p:attrNameLst>
-                                          <p:attrName>ppt_x</p:attrName>
-                                        </p:attrNameLst>
-                                      </p:cBhvr>
-                                      <p:tavLst>
-                                        <p:tav tm="0">
-                                          <p:val>
-                                            <p:strVal val="#ppt_x"/>
-                                          </p:val>
-                                        </p:tav>
-                                        <p:tav tm="100000">
-                                          <p:val>
-                                            <p:strVal val="#ppt_x"/>
-                                          </p:val>
-                                        </p:tav>
-                                      </p:tavLst>
-                                    </p:anim>
-                                    <p:anim calcmode="lin" valueType="num">
-                                      <p:cBhvr>
-                                        <p:cTn id="9" dur="1000" fill="hold"/>
-                                        <p:tgtEl>
-                                          <p:spTgt spid="3">
-                                            <p:txEl>
-                                              <p:pRg st="1" end="1"/>
-                                            </p:txEl>
-                                          </p:spTgt>
-                                        </p:tgtEl>
-                                        <p:attrNameLst>
-                                          <p:attrName>ppt_y</p:attrName>
-                                        </p:attrNameLst>
-                                      </p:cBhvr>
-                                      <p:tavLst>
-                                        <p:tav tm="0">
-                                          <p:val>
-                                            <p:strVal val="#ppt_y+.1"/>
-                                          </p:val>
-                                        </p:tav>
-                                        <p:tav tm="100000">
-                                          <p:val>
-                                            <p:strVal val="#ppt_y"/>
-                                          </p:val>
-                                        </p:tav>
-                                      </p:tavLst>
-                                    </p:anim>
-                                  </p:childTnLst>
-                                </p:cTn>
-                              </p:par>
-                            </p:childTnLst>
-                          </p:cTn>
-                        </p:par>
-                      </p:childTnLst>
-                    </p:cTn>
-                  </p:par>
-                  <p:par>
-                    <p:cTn id="10" fill="hold">
-                      <p:stCondLst>
-                        <p:cond delay="indefinite"/>
-                      </p:stCondLst>
-                      <p:childTnLst>
-                        <p:par>
-                          <p:cTn id="11" fill="hold">
-                            <p:stCondLst>
-                              <p:cond delay="0"/>
-                            </p:stCondLst>
-                            <p:childTnLst>
-                              <p:par>
-                                <p:cTn id="12" presetID="42" presetClass="entr" presetSubtype="0" fill="hold" nodeType="clickEffect">
-                                  <p:stCondLst>
-                                    <p:cond delay="0"/>
-                                  </p:stCondLst>
-                                  <p:childTnLst>
-                                    <p:set>
-                                      <p:cBhvr>
-                                        <p:cTn id="13" dur="1" fill="hold">
-                                          <p:stCondLst>
-                                            <p:cond delay="0"/>
-                                          </p:stCondLst>
-                                        </p:cTn>
-                                        <p:tgtEl>
-                                          <p:spTgt spid="3">
-                                            <p:txEl>
-                                              <p:pRg st="3" end="3"/>
-                                            </p:txEl>
-                                          </p:spTgt>
-                                        </p:tgtEl>
-                                        <p:attrNameLst>
-                                          <p:attrName>style.visibility</p:attrName>
-                                        </p:attrNameLst>
-                                      </p:cBhvr>
-                                      <p:to>
-                                        <p:strVal val="visible"/>
-                                      </p:to>
-                                    </p:set>
-                                    <p:animEffect transition="in" filter="fade">
-                                      <p:cBhvr>
-                                        <p:cTn id="14" dur="1000"/>
-                                        <p:tgtEl>
-                                          <p:spTgt spid="3">
-                                            <p:txEl>
-                                              <p:pRg st="3" end="3"/>
-                                            </p:txEl>
-                                          </p:spTgt>
-                                        </p:tgtEl>
-                                      </p:cBhvr>
-                                    </p:animEffect>
-                                    <p:anim calcmode="lin" valueType="num">
-                                      <p:cBhvr>
-                                        <p:cTn id="15" dur="1000" fill="hold"/>
-                                        <p:tgtEl>
-                                          <p:spTgt spid="3">
-                                            <p:txEl>
-                                              <p:pRg st="3" end="3"/>
-                                            </p:txEl>
-                                          </p:spTgt>
-                                        </p:tgtEl>
-                                        <p:attrNameLst>
-                                          <p:attrName>ppt_x</p:attrName>
-                                        </p:attrNameLst>
-                                      </p:cBhvr>
-                                      <p:tavLst>
-                                        <p:tav tm="0">
-                                          <p:val>
-                                            <p:strVal val="#ppt_x"/>
-                                          </p:val>
-                                        </p:tav>
-                                        <p:tav tm="100000">
-                                          <p:val>
-                                            <p:strVal val="#ppt_x"/>
-                                          </p:val>
-                                        </p:tav>
-                                      </p:tavLst>
-                                    </p:anim>
-                                    <p:anim calcmode="lin" valueType="num">
-                                      <p:cBhvr>
-                                        <p:cTn id="16" dur="1000" fill="hold"/>
-                                        <p:tgtEl>
-                                          <p:spTgt spid="3">
-                                            <p:txEl>
-                                              <p:pRg st="3" end="3"/>
-                                            </p:txEl>
-                                          </p:spTgt>
-                                        </p:tgtEl>
-                                        <p:attrNameLst>
-                                          <p:attrName>ppt_y</p:attrName>
-                                        </p:attrNameLst>
-                                      </p:cBhvr>
-                                      <p:tavLst>
-                                        <p:tav tm="0">
-                                          <p:val>
-                                            <p:strVal val="#ppt_y+.1"/>
-                                          </p:val>
-                                        </p:tav>
-                                        <p:tav tm="100000">
-                                          <p:val>
-                                            <p:strVal val="#ppt_y"/>
-                                          </p:val>
-                                        </p:tav>
-                                      </p:tavLst>
-                                    </p:anim>
-                                  </p:childTnLst>
-                                </p:cTn>
-                              </p:par>
-                            </p:childTnLst>
-                          </p:cTn>
-                        </p:par>
-                      </p:childTnLst>
-                    </p:cTn>
-                  </p:par>
-                </p:childTnLst>
-              </p:cTn>
-              <p:prevCondLst>
-                <p:cond evt="onPrev" delay="0">
-                  <p:tgtEl>
-                    <p:sldTgt/>
-                  </p:tgtEl>
-                </p:cond>
-              </p:prevCondLst>
-              <p:nextCondLst>
-                <p:cond evt="onNext" delay="0">
-                  <p:tgtEl>
-                    <p:sldTgt/>
-                  </p:tgtEl>
-                </p:cond>
-              </p:nextCondLst>
-            </p:seq>
-          </p:childTnLst>
-        </p:cTn>
-      </p:par>
-    </p:tnLst>
-  </p:timing>
 </p:sld>
 </file>
 
@@ -16811,7 +16547,7 @@
         <a:sysClr val="windowText" lastClr="000000"/>
       </a:dk1>
       <a:lt1>
-        <a:sysClr val="window" lastClr="FFFFFF"/>
+        <a:sysClr val="window" lastClr="CCE8CF"/>
       </a:lt1>
       <a:dk2>
         <a:srgbClr val="8D1E14"/>
